--- a/Rendu entreprise/Cloudera.pptx
+++ b/Rendu entreprise/Cloudera.pptx
@@ -268,7 +268,7 @@
           <a:p>
             <a:fld id="{C13E5E4D-0A81-4D56-8DAB-E8B88F1DDC20}" type="datetimeFigureOut">
               <a:rPr lang="fr-FR" smtClean="0"/>
-              <a:t>26/10/2016</a:t>
+              <a:t>29/10/2016</a:t>
             </a:fld>
             <a:endParaRPr lang="fr-FR"/>
           </a:p>
@@ -436,7 +436,7 @@
           <a:p>
             <a:fld id="{C13E5E4D-0A81-4D56-8DAB-E8B88F1DDC20}" type="datetimeFigureOut">
               <a:rPr lang="fr-FR" smtClean="0"/>
-              <a:t>26/10/2016</a:t>
+              <a:t>29/10/2016</a:t>
             </a:fld>
             <a:endParaRPr lang="fr-FR"/>
           </a:p>
@@ -614,7 +614,7 @@
           <a:p>
             <a:fld id="{C13E5E4D-0A81-4D56-8DAB-E8B88F1DDC20}" type="datetimeFigureOut">
               <a:rPr lang="fr-FR" smtClean="0"/>
-              <a:t>26/10/2016</a:t>
+              <a:t>29/10/2016</a:t>
             </a:fld>
             <a:endParaRPr lang="fr-FR"/>
           </a:p>
@@ -782,7 +782,7 @@
           <a:p>
             <a:fld id="{C13E5E4D-0A81-4D56-8DAB-E8B88F1DDC20}" type="datetimeFigureOut">
               <a:rPr lang="fr-FR" smtClean="0"/>
-              <a:t>26/10/2016</a:t>
+              <a:t>29/10/2016</a:t>
             </a:fld>
             <a:endParaRPr lang="fr-FR"/>
           </a:p>
@@ -1027,7 +1027,7 @@
           <a:p>
             <a:fld id="{C13E5E4D-0A81-4D56-8DAB-E8B88F1DDC20}" type="datetimeFigureOut">
               <a:rPr lang="fr-FR" smtClean="0"/>
-              <a:t>26/10/2016</a:t>
+              <a:t>29/10/2016</a:t>
             </a:fld>
             <a:endParaRPr lang="fr-FR"/>
           </a:p>
@@ -1256,7 +1256,7 @@
           <a:p>
             <a:fld id="{C13E5E4D-0A81-4D56-8DAB-E8B88F1DDC20}" type="datetimeFigureOut">
               <a:rPr lang="fr-FR" smtClean="0"/>
-              <a:t>26/10/2016</a:t>
+              <a:t>29/10/2016</a:t>
             </a:fld>
             <a:endParaRPr lang="fr-FR"/>
           </a:p>
@@ -1620,7 +1620,7 @@
           <a:p>
             <a:fld id="{C13E5E4D-0A81-4D56-8DAB-E8B88F1DDC20}" type="datetimeFigureOut">
               <a:rPr lang="fr-FR" smtClean="0"/>
-              <a:t>26/10/2016</a:t>
+              <a:t>29/10/2016</a:t>
             </a:fld>
             <a:endParaRPr lang="fr-FR"/>
           </a:p>
@@ -1737,7 +1737,7 @@
           <a:p>
             <a:fld id="{C13E5E4D-0A81-4D56-8DAB-E8B88F1DDC20}" type="datetimeFigureOut">
               <a:rPr lang="fr-FR" smtClean="0"/>
-              <a:t>26/10/2016</a:t>
+              <a:t>29/10/2016</a:t>
             </a:fld>
             <a:endParaRPr lang="fr-FR"/>
           </a:p>
@@ -1832,7 +1832,7 @@
           <a:p>
             <a:fld id="{C13E5E4D-0A81-4D56-8DAB-E8B88F1DDC20}" type="datetimeFigureOut">
               <a:rPr lang="fr-FR" smtClean="0"/>
-              <a:t>26/10/2016</a:t>
+              <a:t>29/10/2016</a:t>
             </a:fld>
             <a:endParaRPr lang="fr-FR"/>
           </a:p>
@@ -2107,7 +2107,7 @@
           <a:p>
             <a:fld id="{C13E5E4D-0A81-4D56-8DAB-E8B88F1DDC20}" type="datetimeFigureOut">
               <a:rPr lang="fr-FR" smtClean="0"/>
-              <a:t>26/10/2016</a:t>
+              <a:t>29/10/2016</a:t>
             </a:fld>
             <a:endParaRPr lang="fr-FR"/>
           </a:p>
@@ -2359,7 +2359,7 @@
           <a:p>
             <a:fld id="{C13E5E4D-0A81-4D56-8DAB-E8B88F1DDC20}" type="datetimeFigureOut">
               <a:rPr lang="fr-FR" smtClean="0"/>
-              <a:t>26/10/2016</a:t>
+              <a:t>29/10/2016</a:t>
             </a:fld>
             <a:endParaRPr lang="fr-FR"/>
           </a:p>
@@ -2570,7 +2570,7 @@
           <a:p>
             <a:fld id="{C13E5E4D-0A81-4D56-8DAB-E8B88F1DDC20}" type="datetimeFigureOut">
               <a:rPr lang="fr-FR" smtClean="0"/>
-              <a:t>26/10/2016</a:t>
+              <a:t>29/10/2016</a:t>
             </a:fld>
             <a:endParaRPr lang="fr-FR"/>
           </a:p>
@@ -3013,7 +3013,42 @@
           <a:bodyPr/>
           <a:lstStyle/>
           <a:p>
-            <a:endParaRPr lang="fr-FR"/>
+            <a:r>
+              <a:rPr lang="fr-FR" dirty="0"/>
+              <a:t>Au noyau </a:t>
+            </a:r>
+            <a:r>
+              <a:rPr lang="fr-FR" dirty="0" err="1"/>
+              <a:t>hadoop</a:t>
+            </a:r>
+            <a:r>
+              <a:rPr lang="fr-FR" dirty="0"/>
+              <a:t> de Apache, </a:t>
+            </a:r>
+            <a:r>
+              <a:rPr lang="fr-FR" dirty="0" err="1"/>
+              <a:t>cloudera</a:t>
+            </a:r>
+            <a:r>
+              <a:rPr lang="fr-FR" dirty="0"/>
+              <a:t> ajoute ses </a:t>
+            </a:r>
+            <a:r>
+              <a:rPr lang="fr-FR" dirty="0" err="1"/>
+              <a:t>propores</a:t>
+            </a:r>
+            <a:r>
+              <a:rPr lang="fr-FR" dirty="0"/>
+              <a:t> interfaces graphiques d’administration, de gestion et de suivi, des outils de déploiement, des outils de gestion de la sécurité. C’est aujourd’hui la distribution de </a:t>
+            </a:r>
+            <a:r>
+              <a:rPr lang="fr-FR" dirty="0" err="1"/>
+              <a:t>hadoop</a:t>
+            </a:r>
+            <a:r>
+              <a:rPr lang="fr-FR" dirty="0"/>
+              <a:t> qui a le plus de déploiement référencés. </a:t>
+            </a:r>
           </a:p>
         </p:txBody>
       </p:sp>
